--- a/templates/do_template.pptx
+++ b/templates/do_template.pptx
@@ -217,7 +217,7 @@
           <a:p>
             <a:fld id="{E2C34BA6-6C5B-4EE5-B1E8-7A5F0DBC4D31}" type="datetimeFigureOut">
               <a:rPr lang="en-US" smtClean="0"/>
-              <a:t>5/27/2025</a:t>
+              <a:t>5/29/2025</a:t>
             </a:fld>
             <a:endParaRPr lang="en-US"/>
           </a:p>
@@ -395,7 +395,7 @@
           <a:p>
             <a:fld id="{8883AFC6-3687-4B02-ACE1-8914ED83DECC}" type="datetimeFigureOut">
               <a:rPr lang="en-US" smtClean="0"/>
-              <a:t>5/27/2025</a:t>
+              <a:t>5/29/2025</a:t>
             </a:fld>
             <a:endParaRPr lang="en-US"/>
           </a:p>
@@ -810,7 +810,7 @@
           <a:p>
             <a:fld id="{B501CE35-99CF-4677-A5F7-3714B47E5159}" type="datetime8">
               <a:rPr lang="en-US" smtClean="0"/>
-              <a:t>5/27/2025 2:47 PM</a:t>
+              <a:t>5/29/2025 12:27 PM</a:t>
             </a:fld>
             <a:endParaRPr lang="en-US"/>
           </a:p>
@@ -1008,7 +1008,7 @@
           <a:p>
             <a:fld id="{C9554F23-0E44-4DD9-AC89-D7CBAF59A290}" type="datetime8">
               <a:rPr lang="en-US" smtClean="0"/>
-              <a:t>5/27/2025 2:47 PM</a:t>
+              <a:t>5/29/2025 12:27 PM</a:t>
             </a:fld>
             <a:endParaRPr lang="en-US"/>
           </a:p>
@@ -1216,7 +1216,7 @@
           <a:p>
             <a:fld id="{94870B87-2CF2-4702-871D-24D1E39D17EC}" type="datetime8">
               <a:rPr lang="en-US" smtClean="0"/>
-              <a:t>5/27/2025 2:47 PM</a:t>
+              <a:t>5/29/2025 12:27 PM</a:t>
             </a:fld>
             <a:endParaRPr lang="en-US"/>
           </a:p>
@@ -1414,7 +1414,7 @@
           <a:p>
             <a:fld id="{B32D32C1-C7C4-4386-BE7B-E2F9D8A716A5}" type="datetime8">
               <a:rPr lang="en-US" smtClean="0"/>
-              <a:t>5/27/2025 2:47 PM</a:t>
+              <a:t>5/29/2025 12:27 PM</a:t>
             </a:fld>
             <a:endParaRPr lang="en-US"/>
           </a:p>
@@ -1689,7 +1689,7 @@
           <a:p>
             <a:fld id="{EC4EBB55-533B-42D0-8EC5-E64F653EB4A8}" type="datetime8">
               <a:rPr lang="en-US" smtClean="0"/>
-              <a:t>5/27/2025 2:47 PM</a:t>
+              <a:t>5/29/2025 12:27 PM</a:t>
             </a:fld>
             <a:endParaRPr lang="en-US"/>
           </a:p>
@@ -1954,7 +1954,7 @@
           <a:p>
             <a:fld id="{F474AAE2-8C59-4646-ACBF-7904B7938B81}" type="datetime8">
               <a:rPr lang="en-US" smtClean="0"/>
-              <a:t>5/27/2025 2:47 PM</a:t>
+              <a:t>5/29/2025 12:27 PM</a:t>
             </a:fld>
             <a:endParaRPr lang="en-US"/>
           </a:p>
@@ -2366,7 +2366,7 @@
           <a:p>
             <a:fld id="{F063F79F-7A13-49E9-BB8B-1D6AB02BAF58}" type="datetime8">
               <a:rPr lang="en-US" smtClean="0"/>
-              <a:t>5/27/2025 2:47 PM</a:t>
+              <a:t>5/29/2025 12:27 PM</a:t>
             </a:fld>
             <a:endParaRPr lang="en-US"/>
           </a:p>
@@ -2507,7 +2507,7 @@
           <a:p>
             <a:fld id="{7AB00A27-18B2-46D8-9D40-D012AA3C0323}" type="datetime8">
               <a:rPr lang="en-US" smtClean="0"/>
-              <a:t>5/27/2025 2:47 PM</a:t>
+              <a:t>5/29/2025 12:27 PM</a:t>
             </a:fld>
             <a:endParaRPr lang="en-US"/>
           </a:p>
@@ -2620,7 +2620,7 @@
           <a:p>
             <a:fld id="{18238E7B-7ED1-4BF8-A491-605E114AFB9B}" type="datetime8">
               <a:rPr lang="en-US" smtClean="0"/>
-              <a:t>5/27/2025 2:47 PM</a:t>
+              <a:t>5/29/2025 12:27 PM</a:t>
             </a:fld>
             <a:endParaRPr lang="en-US"/>
           </a:p>
@@ -2931,7 +2931,7 @@
           <a:p>
             <a:fld id="{3AD70B5F-D298-4CE1-9B00-2D5BC77F8E30}" type="datetime8">
               <a:rPr lang="en-US" smtClean="0"/>
-              <a:t>5/27/2025 2:47 PM</a:t>
+              <a:t>5/29/2025 12:27 PM</a:t>
             </a:fld>
             <a:endParaRPr lang="en-US"/>
           </a:p>
@@ -3219,7 +3219,7 @@
           <a:p>
             <a:fld id="{66C93F40-9CFB-44F6-A05C-E1B346E921DA}" type="datetime8">
               <a:rPr lang="en-US" smtClean="0"/>
-              <a:t>5/27/2025 2:47 PM</a:t>
+              <a:t>5/29/2025 12:27 PM</a:t>
             </a:fld>
             <a:endParaRPr lang="en-US"/>
           </a:p>
@@ -3463,7 +3463,7 @@
           <a:p>
             <a:fld id="{71C0C2B6-A23C-4161-A00E-77D2BAC25542}" type="datetime8">
               <a:rPr lang="en-US" smtClean="0"/>
-              <a:t>5/27/2025 2:47 PM</a:t>
+              <a:t>5/29/2025 12:27 PM</a:t>
             </a:fld>
             <a:endParaRPr lang="en-US"/>
           </a:p>
@@ -4037,7 +4037,7 @@
                 <a:ea typeface="+mn-ea"/>
                 <a:cs typeface="+mn-cs"/>
               </a:rPr>
-              <a:t>2:50 PM</a:t>
+              <a:t>12:27 PM</a:t>
             </a:r>
             <a:endParaRPr kumimoji="0" lang="en-US" sz="4400" b="0" i="0" u="none" strike="noStrike" kern="1200" cap="none" spc="0" normalizeH="0" baseline="0" noProof="0" dirty="0">
               <a:ln>
@@ -4115,7 +4115,7 @@
                 <a:ea typeface="+mn-ea"/>
                 <a:cs typeface="+mn-cs"/>
               </a:rPr>
-              <a:t>Tuesday, May 27, 2025</a:t>
+              <a:t>Thursday, May 29, 2025</a:t>
             </a:r>
             <a:endParaRPr kumimoji="0" lang="en-US" sz="2400" b="0" i="0" u="none" strike="noStrike" kern="1200" cap="none" spc="0" normalizeH="0" baseline="0" noProof="0" dirty="0">
               <a:ln>
@@ -4591,7 +4591,7 @@
                 <a:ea typeface="+mn-ea"/>
                 <a:cs typeface="+mn-cs"/>
               </a:rPr>
-              <a:t>62</a:t>
+              <a:t>64</a:t>
             </a:r>
             <a:endParaRPr kumimoji="0" lang="en-US" sz="3200" b="0" i="0" u="none" strike="noStrike" kern="1200" cap="none" spc="0" normalizeH="0" baseline="0" noProof="0" dirty="0">
               <a:ln>
@@ -5004,7 +5004,7 @@
                 <a:ea typeface="+mn-ea"/>
                 <a:cs typeface="+mn-cs"/>
               </a:rPr>
-              <a:t>Mostly Cloudy</a:t>
+              <a:t>Cloudy</a:t>
             </a:r>
             <a:endParaRPr kumimoji="0" lang="en-US" sz="1600" b="0" i="0" u="none" strike="noStrike" kern="1200" cap="none" spc="0" normalizeH="0" baseline="0" noProof="0" dirty="0">
               <a:ln>
@@ -5025,10 +5025,46 @@
       </p:sp>
       <p:pic>
         <p:nvPicPr>
-          <p:cNvPr id="6" name="WeatherIcon">
+          <p:cNvPr id="2" name="Picture 1" descr="A logo of a tiger&#10;&#10;Description automatically generated">
             <a:extLst>
               <a:ext uri="{FF2B5EF4-FFF2-40B4-BE49-F238E27FC236}">
-                <a16:creationId xmlns:a16="http://schemas.microsoft.com/office/drawing/2014/main" id="{EF5DCA4A-A707-EDED-4BCD-17E15DAB4CCB}"/>
+                <a16:creationId xmlns:a16="http://schemas.microsoft.com/office/drawing/2014/main" id="{A6B94F5F-7ACD-8355-4B53-84D19DEDB5E5}"/>
+              </a:ext>
+            </a:extLst>
+          </p:cNvPr>
+          <p:cNvPicPr>
+            <a:picLocks noChangeAspect="1"/>
+          </p:cNvPicPr>
+          <p:nvPr/>
+        </p:nvPicPr>
+        <p:blipFill>
+          <a:blip r:embed="rId7">
+            <a:extLst>
+              <a:ext uri="{28A0092B-C50C-407E-A947-70E740481C1C}">
+                <a14:useLocalDpi xmlns:a14="http://schemas.microsoft.com/office/drawing/2010/main" val="0"/>
+              </a:ext>
+            </a:extLst>
+          </a:blip>
+          <a:stretch>
+            <a:fillRect/>
+          </a:stretch>
+        </p:blipFill>
+        <p:spPr>
+          <a:xfrm>
+            <a:off x="5282383" y="0"/>
+            <a:ext cx="6858000" cy="6858000"/>
+          </a:xfrm>
+          <a:prstGeom prst="rect">
+            <a:avLst/>
+          </a:prstGeom>
+        </p:spPr>
+      </p:pic>
+      <p:pic>
+        <p:nvPicPr>
+          <p:cNvPr id="14" name="WeatherIcon">
+            <a:extLst>
+              <a:ext uri="{FF2B5EF4-FFF2-40B4-BE49-F238E27FC236}">
+                <a16:creationId xmlns:a16="http://schemas.microsoft.com/office/drawing/2014/main" id="{1C516616-8BF0-91C6-7671-3DA88841F26E}"/>
               </a:ext>
             </a:extLst>
           </p:cNvPr>
@@ -5038,7 +5074,7 @@
           <p:nvPr/>
         </p:nvPicPr>
         <p:blipFill>
-          <a:blip r:embed="rId7">
+          <a:blip r:embed="rId8">
             <a:extLst>
               <a:ext uri="{28A0092B-C50C-407E-A947-70E740481C1C}">
                 <a14:useLocalDpi xmlns:a14="http://schemas.microsoft.com/office/drawing/2010/main" val="0"/>
@@ -5053,42 +5089,6 @@
           <a:xfrm>
             <a:off x="1337245" y="1162472"/>
             <a:ext cx="720000" cy="720000"/>
-          </a:xfrm>
-          <a:prstGeom prst="rect">
-            <a:avLst/>
-          </a:prstGeom>
-        </p:spPr>
-      </p:pic>
-      <p:pic>
-        <p:nvPicPr>
-          <p:cNvPr id="2" name="Picture 1" descr="A logo of a tiger&#10;&#10;Description automatically generated">
-            <a:extLst>
-              <a:ext uri="{FF2B5EF4-FFF2-40B4-BE49-F238E27FC236}">
-                <a16:creationId xmlns:a16="http://schemas.microsoft.com/office/drawing/2014/main" id="{A6B94F5F-7ACD-8355-4B53-84D19DEDB5E5}"/>
-              </a:ext>
-            </a:extLst>
-          </p:cNvPr>
-          <p:cNvPicPr>
-            <a:picLocks noChangeAspect="1"/>
-          </p:cNvPicPr>
-          <p:nvPr/>
-        </p:nvPicPr>
-        <p:blipFill>
-          <a:blip r:embed="rId8">
-            <a:extLst>
-              <a:ext uri="{28A0092B-C50C-407E-A947-70E740481C1C}">
-                <a14:useLocalDpi xmlns:a14="http://schemas.microsoft.com/office/drawing/2010/main" val="0"/>
-              </a:ext>
-            </a:extLst>
-          </a:blip>
-          <a:stretch>
-            <a:fillRect/>
-          </a:stretch>
-        </p:blipFill>
-        <p:spPr>
-          <a:xfrm>
-            <a:off x="5282383" y="0"/>
-            <a:ext cx="6858000" cy="6858000"/>
           </a:xfrm>
           <a:prstGeom prst="rect">
             <a:avLst/>
@@ -5284,7 +5284,7 @@
                 <a:ea typeface="+mn-ea"/>
                 <a:cs typeface="+mn-cs"/>
               </a:rPr>
-              <a:t>Wednesday (May 28)</a:t>
+              <a:t>Friday</a:t>
             </a:r>
             <a:endParaRPr kumimoji="0" lang="en-US" sz="2000" b="0" i="0" u="none" strike="noStrike" kern="1200" cap="none" spc="0" normalizeH="0" baseline="0" noProof="0" dirty="0">
               <a:ln>
@@ -5446,7 +5446,7 @@
                 <a:ea typeface="+mn-ea"/>
                 <a:cs typeface="+mn-cs"/>
               </a:rPr>
-              <a:t>Saturday (May 31)</a:t>
+              <a:t>Monday</a:t>
             </a:r>
             <a:endParaRPr kumimoji="0" lang="en-US" sz="2000" b="0" i="0" u="none" strike="noStrike" kern="1200" cap="none" spc="0" normalizeH="0" baseline="0" noProof="0" dirty="0">
               <a:ln>
@@ -5608,7 +5608,7 @@
                 <a:ea typeface="+mn-ea"/>
                 <a:cs typeface="+mn-cs"/>
               </a:rPr>
-              <a:t>Thursday (May 29)</a:t>
+              <a:t>Saturday</a:t>
             </a:r>
             <a:endParaRPr kumimoji="0" lang="en-US" sz="2000" b="0" i="0" u="none" strike="noStrike" kern="1200" cap="none" spc="0" normalizeH="0" baseline="0" noProof="0" dirty="0">
               <a:ln>
@@ -5770,7 +5770,7 @@
                 <a:ea typeface="+mn-ea"/>
                 <a:cs typeface="+mn-cs"/>
               </a:rPr>
-              <a:t>Friday (May 30)</a:t>
+              <a:t>Sunday</a:t>
             </a:r>
             <a:endParaRPr kumimoji="0" lang="en-US" sz="2000" b="0" i="0" u="none" strike="noStrike" kern="1200" cap="none" spc="0" normalizeH="0" baseline="0" noProof="0" dirty="0">
               <a:ln>
@@ -5932,7 +5932,7 @@
                 <a:ea typeface="+mn-ea"/>
                 <a:cs typeface="+mn-cs"/>
               </a:rPr>
-              <a:t>H: 69°F  L: 48°F</a:t>
+              <a:t>H: 82°F  L: 58°F</a:t>
             </a:r>
             <a:endParaRPr kumimoji="0" lang="en-US" sz="1800" b="0" i="0" u="none" strike="noStrike" kern="1200" cap="none" spc="0" normalizeH="0" baseline="0" noProof="0" dirty="0">
               <a:ln>
@@ -6094,7 +6094,7 @@
                 <a:ea typeface="+mn-ea"/>
                 <a:cs typeface="+mn-cs"/>
               </a:rPr>
-              <a:t>H: 82°F  L: 58°F</a:t>
+              <a:t>H: 90°F  L: 67°F</a:t>
             </a:r>
             <a:endParaRPr kumimoji="0" lang="en-US" sz="1800" b="0" i="0" u="none" strike="noStrike" kern="1200" cap="none" spc="0" normalizeH="0" baseline="0" noProof="0" dirty="0">
               <a:ln>
@@ -6256,7 +6256,7 @@
                 <a:ea typeface="+mn-ea"/>
                 <a:cs typeface="+mn-cs"/>
               </a:rPr>
-              <a:t>H: 75°F  L: 53°F</a:t>
+              <a:t>H: 84°F  L: 59°F</a:t>
             </a:r>
             <a:endParaRPr kumimoji="0" lang="en-US" sz="1800" b="0" i="0" u="none" strike="noStrike" kern="1200" cap="none" spc="0" normalizeH="0" baseline="0" noProof="0" dirty="0">
               <a:ln>
@@ -6418,7 +6418,7 @@
                 <a:ea typeface="+mn-ea"/>
                 <a:cs typeface="+mn-cs"/>
               </a:rPr>
-              <a:t>H: 82°F  L: 57°F</a:t>
+              <a:t>H: 88°F  L: 63°F</a:t>
             </a:r>
             <a:endParaRPr kumimoji="0" lang="en-US" sz="1800" b="0" i="0" u="none" strike="noStrike" kern="1200" cap="none" spc="0" normalizeH="0" baseline="0" noProof="0" dirty="0">
               <a:ln>
@@ -6496,7 +6496,7 @@
                 <a:ea typeface="+mn-ea"/>
                 <a:cs typeface="+mn-cs"/>
               </a:rPr>
-              <a:t>2:50 PM</a:t>
+              <a:t>12:27 PM</a:t>
             </a:r>
             <a:endParaRPr kumimoji="0" lang="en-US" sz="4800" b="0" i="0" u="none" strike="noStrike" kern="1200" cap="none" spc="0" normalizeH="0" baseline="0" noProof="0" dirty="0">
               <a:ln>
@@ -6574,7 +6574,7 @@
                 <a:ea typeface="+mn-ea"/>
                 <a:cs typeface="+mn-cs"/>
               </a:rPr>
-              <a:t>Tuesday, May 27, 2025</a:t>
+              <a:t>Thursday, May 29, 2025</a:t>
             </a:r>
             <a:endParaRPr kumimoji="0" lang="en-US" sz="2400" b="0" i="0" u="none" strike="noStrike" kern="1200" cap="none" spc="0" normalizeH="0" baseline="0" noProof="0" dirty="0">
               <a:ln>
@@ -6595,10 +6595,46 @@
       </p:sp>
       <p:pic>
         <p:nvPicPr>
-          <p:cNvPr id="6" name="ForecastIcon2">
+          <p:cNvPr id="2" name="Picture 1" descr="A logo of a tiger&#10;&#10;Description automatically generated">
             <a:extLst>
               <a:ext uri="{FF2B5EF4-FFF2-40B4-BE49-F238E27FC236}">
-                <a16:creationId xmlns:a16="http://schemas.microsoft.com/office/drawing/2014/main" id="{56D1F48B-AA42-861E-A1A4-0E2159BB931C}"/>
+                <a16:creationId xmlns:a16="http://schemas.microsoft.com/office/drawing/2014/main" id="{9FCDC1BA-BF52-CF90-D213-692D2F0949C6}"/>
+              </a:ext>
+            </a:extLst>
+          </p:cNvPr>
+          <p:cNvPicPr>
+            <a:picLocks noChangeAspect="1"/>
+          </p:cNvPicPr>
+          <p:nvPr/>
+        </p:nvPicPr>
+        <p:blipFill>
+          <a:blip r:embed="rId10">
+            <a:extLst>
+              <a:ext uri="{28A0092B-C50C-407E-A947-70E740481C1C}">
+                <a14:useLocalDpi xmlns:a14="http://schemas.microsoft.com/office/drawing/2010/main" val="0"/>
+              </a:ext>
+            </a:extLst>
+          </a:blip>
+          <a:stretch>
+            <a:fillRect/>
+          </a:stretch>
+        </p:blipFill>
+        <p:spPr>
+          <a:xfrm>
+            <a:off x="10390163" y="53124"/>
+            <a:ext cx="1771452" cy="1771452"/>
+          </a:xfrm>
+          <a:prstGeom prst="rect">
+            <a:avLst/>
+          </a:prstGeom>
+        </p:spPr>
+      </p:pic>
+      <p:pic>
+        <p:nvPicPr>
+          <p:cNvPr id="7" name="ForecastIcon2">
+            <a:extLst>
+              <a:ext uri="{FF2B5EF4-FFF2-40B4-BE49-F238E27FC236}">
+                <a16:creationId xmlns:a16="http://schemas.microsoft.com/office/drawing/2014/main" id="{F3E36BF6-CC4A-E057-42F1-B67A785D366E}"/>
               </a:ext>
             </a:extLst>
           </p:cNvPr>
@@ -6608,7 +6644,7 @@
           <p:nvPr/>
         </p:nvPicPr>
         <p:blipFill>
-          <a:blip r:embed="rId10">
+          <a:blip r:embed="rId11">
             <a:extLst>
               <a:ext uri="{28A0092B-C50C-407E-A947-70E740481C1C}">
                 <a14:useLocalDpi xmlns:a14="http://schemas.microsoft.com/office/drawing/2010/main" val="0"/>
@@ -6631,10 +6667,10 @@
       </p:pic>
       <p:pic>
         <p:nvPicPr>
-          <p:cNvPr id="8" name="ForecastIcon3">
+          <p:cNvPr id="14" name="ForecastIcon3">
             <a:extLst>
               <a:ext uri="{FF2B5EF4-FFF2-40B4-BE49-F238E27FC236}">
-                <a16:creationId xmlns:a16="http://schemas.microsoft.com/office/drawing/2014/main" id="{D57D8652-805C-FE4E-B448-AE8B0E4487C0}"/>
+                <a16:creationId xmlns:a16="http://schemas.microsoft.com/office/drawing/2014/main" id="{560D3D59-8EC2-5FC6-C83B-72789EC0F700}"/>
               </a:ext>
             </a:extLst>
           </p:cNvPr>
@@ -6667,10 +6703,10 @@
       </p:pic>
       <p:pic>
         <p:nvPicPr>
-          <p:cNvPr id="12" name="ForecastIcon4">
+          <p:cNvPr id="18" name="ForecastIcon4">
             <a:extLst>
               <a:ext uri="{FF2B5EF4-FFF2-40B4-BE49-F238E27FC236}">
-                <a16:creationId xmlns:a16="http://schemas.microsoft.com/office/drawing/2014/main" id="{B0523F5C-E0A0-C4A2-7913-FD08E6D63C27}"/>
+                <a16:creationId xmlns:a16="http://schemas.microsoft.com/office/drawing/2014/main" id="{9B258D45-E5D5-4552-2605-5143F31B1462}"/>
               </a:ext>
             </a:extLst>
           </p:cNvPr>
@@ -6703,10 +6739,10 @@
       </p:pic>
       <p:pic>
         <p:nvPicPr>
-          <p:cNvPr id="16" name="ForecastIcon5">
+          <p:cNvPr id="20" name="ForecastIcon5">
             <a:extLst>
               <a:ext uri="{FF2B5EF4-FFF2-40B4-BE49-F238E27FC236}">
-                <a16:creationId xmlns:a16="http://schemas.microsoft.com/office/drawing/2014/main" id="{EE6D542D-BAEC-0F56-831E-4E9C26D1F179}"/>
+                <a16:creationId xmlns:a16="http://schemas.microsoft.com/office/drawing/2014/main" id="{41D1E331-634F-6B1E-B7E5-6AB4176C5E3F}"/>
               </a:ext>
             </a:extLst>
           </p:cNvPr>
@@ -6716,7 +6752,7 @@
           <p:nvPr/>
         </p:nvPicPr>
         <p:blipFill>
-          <a:blip r:embed="rId10">
+          <a:blip r:embed="rId11">
             <a:extLst>
               <a:ext uri="{28A0092B-C50C-407E-A947-70E740481C1C}">
                 <a14:useLocalDpi xmlns:a14="http://schemas.microsoft.com/office/drawing/2010/main" val="0"/>
@@ -6731,42 +6767,6 @@
           <a:xfrm>
             <a:off x="9961925" y="2718858"/>
             <a:ext cx="1386237" cy="1386238"/>
-          </a:xfrm>
-          <a:prstGeom prst="rect">
-            <a:avLst/>
-          </a:prstGeom>
-        </p:spPr>
-      </p:pic>
-      <p:pic>
-        <p:nvPicPr>
-          <p:cNvPr id="2" name="Picture 1" descr="A logo of a tiger&#10;&#10;Description automatically generated">
-            <a:extLst>
-              <a:ext uri="{FF2B5EF4-FFF2-40B4-BE49-F238E27FC236}">
-                <a16:creationId xmlns:a16="http://schemas.microsoft.com/office/drawing/2014/main" id="{9FCDC1BA-BF52-CF90-D213-692D2F0949C6}"/>
-              </a:ext>
-            </a:extLst>
-          </p:cNvPr>
-          <p:cNvPicPr>
-            <a:picLocks noChangeAspect="1"/>
-          </p:cNvPicPr>
-          <p:nvPr/>
-        </p:nvPicPr>
-        <p:blipFill>
-          <a:blip r:embed="rId12">
-            <a:extLst>
-              <a:ext uri="{28A0092B-C50C-407E-A947-70E740481C1C}">
-                <a14:useLocalDpi xmlns:a14="http://schemas.microsoft.com/office/drawing/2010/main" val="0"/>
-              </a:ext>
-            </a:extLst>
-          </a:blip>
-          <a:stretch>
-            <a:fillRect/>
-          </a:stretch>
-        </p:blipFill>
-        <p:spPr>
-          <a:xfrm>
-            <a:off x="10390163" y="53124"/>
-            <a:ext cx="1771452" cy="1771452"/>
           </a:xfrm>
           <a:prstGeom prst="rect">
             <a:avLst/>
@@ -6977,7 +6977,7 @@
                 <a:ea typeface="+mn-ea"/>
                 <a:cs typeface="+mn-cs"/>
               </a:rPr>
-              <a:t>2:50 PM</a:t>
+              <a:t>12:27 PM</a:t>
             </a:r>
             <a:endParaRPr kumimoji="0" lang="en-US" sz="4400" b="0" i="0" u="none" strike="noStrike" kern="1200" cap="none" spc="0" normalizeH="0" baseline="0" noProof="0" dirty="0">
               <a:ln>
@@ -7055,7 +7055,7 @@
                 <a:ea typeface="+mn-ea"/>
                 <a:cs typeface="+mn-cs"/>
               </a:rPr>
-              <a:t>Tuesday, May 27, 2025</a:t>
+              <a:t>Thursday, May 29, 2025</a:t>
             </a:r>
             <a:endParaRPr kumimoji="0" lang="en-US" sz="2400" b="0" i="0" u="none" strike="noStrike" kern="1200" cap="none" spc="0" normalizeH="0" baseline="0" noProof="0" dirty="0">
               <a:ln>
@@ -7531,7 +7531,7 @@
                 <a:ea typeface="+mn-ea"/>
                 <a:cs typeface="+mn-cs"/>
               </a:rPr>
-              <a:t>62</a:t>
+              <a:t>64</a:t>
             </a:r>
             <a:endParaRPr kumimoji="0" lang="en-US" sz="3200" b="0" i="0" u="none" strike="noStrike" kern="1200" cap="none" spc="0" normalizeH="0" baseline="0" noProof="0" dirty="0">
               <a:ln>
@@ -7944,7 +7944,7 @@
                 <a:ea typeface="+mn-ea"/>
                 <a:cs typeface="+mn-cs"/>
               </a:rPr>
-              <a:t>Mostly Cloudy</a:t>
+              <a:t>Cloudy</a:t>
             </a:r>
             <a:endParaRPr kumimoji="0" lang="en-US" sz="1600" b="0" i="0" u="none" strike="noStrike" kern="1200" cap="none" spc="0" normalizeH="0" baseline="0" noProof="0" dirty="0">
               <a:ln>
@@ -7965,10 +7965,46 @@
       </p:sp>
       <p:pic>
         <p:nvPicPr>
-          <p:cNvPr id="6" name="WeatherIcon">
+          <p:cNvPr id="2" name="Picture 1" descr="A logo of a tiger&#10;&#10;Description automatically generated">
             <a:extLst>
               <a:ext uri="{FF2B5EF4-FFF2-40B4-BE49-F238E27FC236}">
-                <a16:creationId xmlns:a16="http://schemas.microsoft.com/office/drawing/2014/main" id="{74FE8795-DAF9-0954-E2CF-A389D83216EE}"/>
+                <a16:creationId xmlns:a16="http://schemas.microsoft.com/office/drawing/2014/main" id="{C458DC25-39BB-AF84-1910-3458B74BD63D}"/>
+              </a:ext>
+            </a:extLst>
+          </p:cNvPr>
+          <p:cNvPicPr>
+            <a:picLocks noChangeAspect="1"/>
+          </p:cNvPicPr>
+          <p:nvPr/>
+        </p:nvPicPr>
+        <p:blipFill>
+          <a:blip r:embed="rId7">
+            <a:extLst>
+              <a:ext uri="{28A0092B-C50C-407E-A947-70E740481C1C}">
+                <a14:useLocalDpi xmlns:a14="http://schemas.microsoft.com/office/drawing/2010/main" val="0"/>
+              </a:ext>
+            </a:extLst>
+          </a:blip>
+          <a:stretch>
+            <a:fillRect/>
+          </a:stretch>
+        </p:blipFill>
+        <p:spPr>
+          <a:xfrm>
+            <a:off x="5282383" y="0"/>
+            <a:ext cx="6858000" cy="6858000"/>
+          </a:xfrm>
+          <a:prstGeom prst="rect">
+            <a:avLst/>
+          </a:prstGeom>
+        </p:spPr>
+      </p:pic>
+      <p:pic>
+        <p:nvPicPr>
+          <p:cNvPr id="14" name="WeatherIcon">
+            <a:extLst>
+              <a:ext uri="{FF2B5EF4-FFF2-40B4-BE49-F238E27FC236}">
+                <a16:creationId xmlns:a16="http://schemas.microsoft.com/office/drawing/2014/main" id="{BA845F51-48B4-2F07-2C3D-843812A25385}"/>
               </a:ext>
             </a:extLst>
           </p:cNvPr>
@@ -7978,7 +8014,7 @@
           <p:nvPr/>
         </p:nvPicPr>
         <p:blipFill>
-          <a:blip r:embed="rId7">
+          <a:blip r:embed="rId8">
             <a:extLst>
               <a:ext uri="{28A0092B-C50C-407E-A947-70E740481C1C}">
                 <a14:useLocalDpi xmlns:a14="http://schemas.microsoft.com/office/drawing/2010/main" val="0"/>
@@ -7993,42 +8029,6 @@
           <a:xfrm>
             <a:off x="1337245" y="1162472"/>
             <a:ext cx="720000" cy="720000"/>
-          </a:xfrm>
-          <a:prstGeom prst="rect">
-            <a:avLst/>
-          </a:prstGeom>
-        </p:spPr>
-      </p:pic>
-      <p:pic>
-        <p:nvPicPr>
-          <p:cNvPr id="2" name="Picture 1" descr="A logo of a tiger&#10;&#10;Description automatically generated">
-            <a:extLst>
-              <a:ext uri="{FF2B5EF4-FFF2-40B4-BE49-F238E27FC236}">
-                <a16:creationId xmlns:a16="http://schemas.microsoft.com/office/drawing/2014/main" id="{C458DC25-39BB-AF84-1910-3458B74BD63D}"/>
-              </a:ext>
-            </a:extLst>
-          </p:cNvPr>
-          <p:cNvPicPr>
-            <a:picLocks noChangeAspect="1"/>
-          </p:cNvPicPr>
-          <p:nvPr/>
-        </p:nvPicPr>
-        <p:blipFill>
-          <a:blip r:embed="rId8">
-            <a:extLst>
-              <a:ext uri="{28A0092B-C50C-407E-A947-70E740481C1C}">
-                <a14:useLocalDpi xmlns:a14="http://schemas.microsoft.com/office/drawing/2010/main" val="0"/>
-              </a:ext>
-            </a:extLst>
-          </a:blip>
-          <a:stretch>
-            <a:fillRect/>
-          </a:stretch>
-        </p:blipFill>
-        <p:spPr>
-          <a:xfrm>
-            <a:off x="5282383" y="0"/>
-            <a:ext cx="6858000" cy="6858000"/>
           </a:xfrm>
           <a:prstGeom prst="rect">
             <a:avLst/>
@@ -8236,7 +8236,7 @@
                 <a:ea typeface="+mn-ea"/>
                 <a:cs typeface="+mn-cs"/>
               </a:rPr>
-              <a:t>Wednesday (May 28)</a:t>
+              <a:t>Friday</a:t>
             </a:r>
             <a:endParaRPr kumimoji="0" lang="en-US" sz="2000" b="0" i="0" u="none" strike="noStrike" kern="1200" cap="none" spc="0" normalizeH="0" baseline="0" noProof="0" dirty="0">
               <a:ln>
@@ -8404,7 +8404,7 @@
                 <a:ea typeface="+mn-ea"/>
                 <a:cs typeface="+mn-cs"/>
               </a:rPr>
-              <a:t>Saturday (May 31)</a:t>
+              <a:t>Monday</a:t>
             </a:r>
             <a:endParaRPr kumimoji="0" lang="en-US" sz="2000" b="0" i="0" u="none" strike="noStrike" kern="1200" cap="none" spc="0" normalizeH="0" baseline="0" noProof="0" dirty="0">
               <a:ln>
@@ -8572,7 +8572,7 @@
                 <a:ea typeface="+mn-ea"/>
                 <a:cs typeface="+mn-cs"/>
               </a:rPr>
-              <a:t>Thursday (May 29)</a:t>
+              <a:t>Saturday</a:t>
             </a:r>
             <a:endParaRPr kumimoji="0" lang="en-US" sz="2000" b="0" i="0" u="none" strike="noStrike" kern="1200" cap="none" spc="0" normalizeH="0" baseline="0" noProof="0" dirty="0">
               <a:ln>
@@ -8740,7 +8740,7 @@
                 <a:ea typeface="+mn-ea"/>
                 <a:cs typeface="+mn-cs"/>
               </a:rPr>
-              <a:t>Friday (May 30)</a:t>
+              <a:t>Sunday</a:t>
             </a:r>
             <a:endParaRPr kumimoji="0" lang="en-US" sz="2000" b="0" i="0" u="none" strike="noStrike" kern="1200" cap="none" spc="0" normalizeH="0" baseline="0" noProof="0" dirty="0">
               <a:ln>
@@ -8908,7 +8908,7 @@
                 <a:ea typeface="+mn-ea"/>
                 <a:cs typeface="+mn-cs"/>
               </a:rPr>
-              <a:t>H: 69°F  L: 48°F</a:t>
+              <a:t>H: 82°F  L: 58°F</a:t>
             </a:r>
             <a:endParaRPr kumimoji="0" lang="en-US" sz="1800" b="0" i="0" u="none" strike="noStrike" kern="1200" cap="none" spc="0" normalizeH="0" baseline="0" noProof="0" dirty="0">
               <a:ln>
@@ -9076,7 +9076,7 @@
                 <a:ea typeface="+mn-ea"/>
                 <a:cs typeface="+mn-cs"/>
               </a:rPr>
-              <a:t>H: 82°F  L: 58°F</a:t>
+              <a:t>H: 90°F  L: 67°F</a:t>
             </a:r>
             <a:endParaRPr kumimoji="0" lang="en-US" sz="1800" b="0" i="0" u="none" strike="noStrike" kern="1200" cap="none" spc="0" normalizeH="0" baseline="0" noProof="0" dirty="0">
               <a:ln>
@@ -9244,7 +9244,7 @@
                 <a:ea typeface="+mn-ea"/>
                 <a:cs typeface="+mn-cs"/>
               </a:rPr>
-              <a:t>H: 75°F  L: 53°F</a:t>
+              <a:t>H: 84°F  L: 59°F</a:t>
             </a:r>
             <a:endParaRPr kumimoji="0" lang="en-US" sz="1800" b="0" i="0" u="none" strike="noStrike" kern="1200" cap="none" spc="0" normalizeH="0" baseline="0" noProof="0" dirty="0">
               <a:ln>
@@ -9412,7 +9412,7 @@
                 <a:ea typeface="+mn-ea"/>
                 <a:cs typeface="+mn-cs"/>
               </a:rPr>
-              <a:t>H: 82°F  L: 57°F</a:t>
+              <a:t>H: 88°F  L: 63°F</a:t>
             </a:r>
             <a:endParaRPr kumimoji="0" lang="en-US" sz="1800" b="0" i="0" u="none" strike="noStrike" kern="1200" cap="none" spc="0" normalizeH="0" baseline="0" noProof="0" dirty="0">
               <a:ln>
@@ -9490,7 +9490,7 @@
                 <a:ea typeface="+mn-ea"/>
                 <a:cs typeface="+mn-cs"/>
               </a:rPr>
-              <a:t>2:50 PM</a:t>
+              <a:t>12:27 PM</a:t>
             </a:r>
             <a:endParaRPr kumimoji="0" lang="en-US" sz="4800" b="0" i="0" u="none" strike="noStrike" kern="1200" cap="none" spc="0" normalizeH="0" baseline="0" noProof="0" dirty="0">
               <a:ln>
@@ -9568,7 +9568,7 @@
                 <a:ea typeface="+mn-ea"/>
                 <a:cs typeface="+mn-cs"/>
               </a:rPr>
-              <a:t>Tuesday, May 27, 2025</a:t>
+              <a:t>Thursday, May 29, 2025</a:t>
             </a:r>
             <a:endParaRPr kumimoji="0" lang="en-US" sz="2400" b="0" i="0" u="none" strike="noStrike" kern="1200" cap="none" spc="0" normalizeH="0" baseline="0" noProof="0" dirty="0">
               <a:ln>
@@ -9589,10 +9589,46 @@
       </p:sp>
       <p:pic>
         <p:nvPicPr>
-          <p:cNvPr id="6" name="ForecastIcon2">
+          <p:cNvPr id="2" name="Picture 1" descr="A logo of a tiger&#10;&#10;Description automatically generated">
             <a:extLst>
               <a:ext uri="{FF2B5EF4-FFF2-40B4-BE49-F238E27FC236}">
-                <a16:creationId xmlns:a16="http://schemas.microsoft.com/office/drawing/2014/main" id="{B971D7BD-46EE-92F7-521B-D7DA57DCD5C1}"/>
+                <a16:creationId xmlns:a16="http://schemas.microsoft.com/office/drawing/2014/main" id="{AC385B11-1E58-87E0-6926-8F4A31338EAA}"/>
+              </a:ext>
+            </a:extLst>
+          </p:cNvPr>
+          <p:cNvPicPr>
+            <a:picLocks noChangeAspect="1"/>
+          </p:cNvPicPr>
+          <p:nvPr/>
+        </p:nvPicPr>
+        <p:blipFill>
+          <a:blip r:embed="rId10">
+            <a:extLst>
+              <a:ext uri="{28A0092B-C50C-407E-A947-70E740481C1C}">
+                <a14:useLocalDpi xmlns:a14="http://schemas.microsoft.com/office/drawing/2010/main" val="0"/>
+              </a:ext>
+            </a:extLst>
+          </a:blip>
+          <a:stretch>
+            <a:fillRect/>
+          </a:stretch>
+        </p:blipFill>
+        <p:spPr>
+          <a:xfrm>
+            <a:off x="10390163" y="53124"/>
+            <a:ext cx="1771452" cy="1771452"/>
+          </a:xfrm>
+          <a:prstGeom prst="rect">
+            <a:avLst/>
+          </a:prstGeom>
+        </p:spPr>
+      </p:pic>
+      <p:pic>
+        <p:nvPicPr>
+          <p:cNvPr id="7" name="ForecastIcon2">
+            <a:extLst>
+              <a:ext uri="{FF2B5EF4-FFF2-40B4-BE49-F238E27FC236}">
+                <a16:creationId xmlns:a16="http://schemas.microsoft.com/office/drawing/2014/main" id="{28813E48-8C4C-AC07-07B6-015BE2D87749}"/>
               </a:ext>
             </a:extLst>
           </p:cNvPr>
@@ -9602,7 +9638,7 @@
           <p:nvPr/>
         </p:nvPicPr>
         <p:blipFill>
-          <a:blip r:embed="rId10">
+          <a:blip r:embed="rId11">
             <a:extLst>
               <a:ext uri="{28A0092B-C50C-407E-A947-70E740481C1C}">
                 <a14:useLocalDpi xmlns:a14="http://schemas.microsoft.com/office/drawing/2010/main" val="0"/>
@@ -9625,10 +9661,10 @@
       </p:pic>
       <p:pic>
         <p:nvPicPr>
-          <p:cNvPr id="8" name="ForecastIcon3">
+          <p:cNvPr id="14" name="ForecastIcon3">
             <a:extLst>
               <a:ext uri="{FF2B5EF4-FFF2-40B4-BE49-F238E27FC236}">
-                <a16:creationId xmlns:a16="http://schemas.microsoft.com/office/drawing/2014/main" id="{13635AF9-C58C-57A3-F966-F49ACA4D9825}"/>
+                <a16:creationId xmlns:a16="http://schemas.microsoft.com/office/drawing/2014/main" id="{874F5DC1-9D07-CF47-6739-E9312F0205F5}"/>
               </a:ext>
             </a:extLst>
           </p:cNvPr>
@@ -9661,10 +9697,10 @@
       </p:pic>
       <p:pic>
         <p:nvPicPr>
-          <p:cNvPr id="12" name="ForecastIcon4">
+          <p:cNvPr id="18" name="ForecastIcon4">
             <a:extLst>
               <a:ext uri="{FF2B5EF4-FFF2-40B4-BE49-F238E27FC236}">
-                <a16:creationId xmlns:a16="http://schemas.microsoft.com/office/drawing/2014/main" id="{6FD5A1B6-6ED0-D77B-CF6E-98064F65E6BC}"/>
+                <a16:creationId xmlns:a16="http://schemas.microsoft.com/office/drawing/2014/main" id="{A7BBC2DD-9DA1-C3CC-E013-A7BC11D03A85}"/>
               </a:ext>
             </a:extLst>
           </p:cNvPr>
@@ -9697,10 +9733,10 @@
       </p:pic>
       <p:pic>
         <p:nvPicPr>
-          <p:cNvPr id="16" name="ForecastIcon5">
+          <p:cNvPr id="20" name="ForecastIcon5">
             <a:extLst>
               <a:ext uri="{FF2B5EF4-FFF2-40B4-BE49-F238E27FC236}">
-                <a16:creationId xmlns:a16="http://schemas.microsoft.com/office/drawing/2014/main" id="{4936914A-4447-5294-968A-2FB8BF13AC85}"/>
+                <a16:creationId xmlns:a16="http://schemas.microsoft.com/office/drawing/2014/main" id="{6B7B992E-3987-33EE-552F-BE2E827702D7}"/>
               </a:ext>
             </a:extLst>
           </p:cNvPr>
@@ -9710,7 +9746,7 @@
           <p:nvPr/>
         </p:nvPicPr>
         <p:blipFill>
-          <a:blip r:embed="rId10">
+          <a:blip r:embed="rId11">
             <a:extLst>
               <a:ext uri="{28A0092B-C50C-407E-A947-70E740481C1C}">
                 <a14:useLocalDpi xmlns:a14="http://schemas.microsoft.com/office/drawing/2010/main" val="0"/>
@@ -9725,42 +9761,6 @@
           <a:xfrm>
             <a:off x="9961925" y="2718858"/>
             <a:ext cx="1386237" cy="1386238"/>
-          </a:xfrm>
-          <a:prstGeom prst="rect">
-            <a:avLst/>
-          </a:prstGeom>
-        </p:spPr>
-      </p:pic>
-      <p:pic>
-        <p:nvPicPr>
-          <p:cNvPr id="2" name="Picture 1" descr="A logo of a tiger&#10;&#10;Description automatically generated">
-            <a:extLst>
-              <a:ext uri="{FF2B5EF4-FFF2-40B4-BE49-F238E27FC236}">
-                <a16:creationId xmlns:a16="http://schemas.microsoft.com/office/drawing/2014/main" id="{AC385B11-1E58-87E0-6926-8F4A31338EAA}"/>
-              </a:ext>
-            </a:extLst>
-          </p:cNvPr>
-          <p:cNvPicPr>
-            <a:picLocks noChangeAspect="1"/>
-          </p:cNvPicPr>
-          <p:nvPr/>
-        </p:nvPicPr>
-        <p:blipFill>
-          <a:blip r:embed="rId12">
-            <a:extLst>
-              <a:ext uri="{28A0092B-C50C-407E-A947-70E740481C1C}">
-                <a14:useLocalDpi xmlns:a14="http://schemas.microsoft.com/office/drawing/2010/main" val="0"/>
-              </a:ext>
-            </a:extLst>
-          </a:blip>
-          <a:stretch>
-            <a:fillRect/>
-          </a:stretch>
-        </p:blipFill>
-        <p:spPr>
-          <a:xfrm>
-            <a:off x="10390163" y="53124"/>
-            <a:ext cx="1771452" cy="1771452"/>
           </a:xfrm>
           <a:prstGeom prst="rect">
             <a:avLst/>
@@ -9971,7 +9971,7 @@
                 <a:ea typeface="+mn-ea"/>
                 <a:cs typeface="+mn-cs"/>
               </a:rPr>
-              <a:t>2:50 PM</a:t>
+              <a:t>12:27 PM</a:t>
             </a:r>
             <a:endParaRPr kumimoji="0" lang="en-US" sz="4400" b="0" i="0" u="none" strike="noStrike" kern="1200" cap="none" spc="0" normalizeH="0" baseline="0" noProof="0" dirty="0">
               <a:ln>
@@ -10049,7 +10049,7 @@
                 <a:ea typeface="+mn-ea"/>
                 <a:cs typeface="+mn-cs"/>
               </a:rPr>
-              <a:t>Tuesday, May 27, 2025</a:t>
+              <a:t>Thursday, May 29, 2025</a:t>
             </a:r>
             <a:endParaRPr kumimoji="0" lang="en-US" sz="2400" b="0" i="0" u="none" strike="noStrike" kern="1200" cap="none" spc="0" normalizeH="0" baseline="0" noProof="0" dirty="0">
               <a:ln>
@@ -10525,7 +10525,7 @@
                 <a:ea typeface="+mn-ea"/>
                 <a:cs typeface="+mn-cs"/>
               </a:rPr>
-              <a:t>62</a:t>
+              <a:t>64</a:t>
             </a:r>
             <a:endParaRPr kumimoji="0" lang="en-US" sz="3200" b="0" i="0" u="none" strike="noStrike" kern="1200" cap="none" spc="0" normalizeH="0" baseline="0" noProof="0" dirty="0">
               <a:ln>
@@ -10938,7 +10938,7 @@
                 <a:ea typeface="+mn-ea"/>
                 <a:cs typeface="+mn-cs"/>
               </a:rPr>
-              <a:t>Mostly Cloudy</a:t>
+              <a:t>Cloudy</a:t>
             </a:r>
             <a:endParaRPr kumimoji="0" lang="en-US" sz="1600" b="0" i="0" u="none" strike="noStrike" kern="1200" cap="none" spc="0" normalizeH="0" baseline="0" noProof="0" dirty="0">
               <a:ln>
@@ -11040,10 +11040,46 @@
       </p:sp>
       <p:pic>
         <p:nvPicPr>
-          <p:cNvPr id="14" name="WeatherIcon">
+          <p:cNvPr id="6" name="Picture 5" descr="A logo of a tiger&#10;&#10;Description automatically generated">
             <a:extLst>
               <a:ext uri="{FF2B5EF4-FFF2-40B4-BE49-F238E27FC236}">
-                <a16:creationId xmlns:a16="http://schemas.microsoft.com/office/drawing/2014/main" id="{CF760515-53E0-E2AE-AAB8-4F4F7D2585E9}"/>
+                <a16:creationId xmlns:a16="http://schemas.microsoft.com/office/drawing/2014/main" id="{F4A36DD1-FCA6-FEAC-F570-D28CFD37AE40}"/>
+              </a:ext>
+            </a:extLst>
+          </p:cNvPr>
+          <p:cNvPicPr>
+            <a:picLocks noChangeAspect="1"/>
+          </p:cNvPicPr>
+          <p:nvPr/>
+        </p:nvPicPr>
+        <p:blipFill>
+          <a:blip r:embed="rId7">
+            <a:extLst>
+              <a:ext uri="{28A0092B-C50C-407E-A947-70E740481C1C}">
+                <a14:useLocalDpi xmlns:a14="http://schemas.microsoft.com/office/drawing/2010/main" val="0"/>
+              </a:ext>
+            </a:extLst>
+          </a:blip>
+          <a:stretch>
+            <a:fillRect/>
+          </a:stretch>
+        </p:blipFill>
+        <p:spPr>
+          <a:xfrm>
+            <a:off x="5282383" y="0"/>
+            <a:ext cx="6858000" cy="6858000"/>
+          </a:xfrm>
+          <a:prstGeom prst="rect">
+            <a:avLst/>
+          </a:prstGeom>
+        </p:spPr>
+      </p:pic>
+      <p:pic>
+        <p:nvPicPr>
+          <p:cNvPr id="15" name="WeatherIcon">
+            <a:extLst>
+              <a:ext uri="{FF2B5EF4-FFF2-40B4-BE49-F238E27FC236}">
+                <a16:creationId xmlns:a16="http://schemas.microsoft.com/office/drawing/2014/main" id="{896E4862-6692-6136-3389-B866FD29469B}"/>
               </a:ext>
             </a:extLst>
           </p:cNvPr>
@@ -11053,7 +11089,7 @@
           <p:nvPr/>
         </p:nvPicPr>
         <p:blipFill>
-          <a:blip r:embed="rId7">
+          <a:blip r:embed="rId8">
             <a:extLst>
               <a:ext uri="{28A0092B-C50C-407E-A947-70E740481C1C}">
                 <a14:useLocalDpi xmlns:a14="http://schemas.microsoft.com/office/drawing/2010/main" val="0"/>
@@ -11068,42 +11104,6 @@
           <a:xfrm>
             <a:off x="1337245" y="1162472"/>
             <a:ext cx="720000" cy="720000"/>
-          </a:xfrm>
-          <a:prstGeom prst="rect">
-            <a:avLst/>
-          </a:prstGeom>
-        </p:spPr>
-      </p:pic>
-      <p:pic>
-        <p:nvPicPr>
-          <p:cNvPr id="6" name="Picture 5" descr="A logo of a tiger&#10;&#10;Description automatically generated">
-            <a:extLst>
-              <a:ext uri="{FF2B5EF4-FFF2-40B4-BE49-F238E27FC236}">
-                <a16:creationId xmlns:a16="http://schemas.microsoft.com/office/drawing/2014/main" id="{F4A36DD1-FCA6-FEAC-F570-D28CFD37AE40}"/>
-              </a:ext>
-            </a:extLst>
-          </p:cNvPr>
-          <p:cNvPicPr>
-            <a:picLocks noChangeAspect="1"/>
-          </p:cNvPicPr>
-          <p:nvPr/>
-        </p:nvPicPr>
-        <p:blipFill>
-          <a:blip r:embed="rId8">
-            <a:extLst>
-              <a:ext uri="{28A0092B-C50C-407E-A947-70E740481C1C}">
-                <a14:useLocalDpi xmlns:a14="http://schemas.microsoft.com/office/drawing/2010/main" val="0"/>
-              </a:ext>
-            </a:extLst>
-          </a:blip>
-          <a:stretch>
-            <a:fillRect/>
-          </a:stretch>
-        </p:blipFill>
-        <p:spPr>
-          <a:xfrm>
-            <a:off x="5282383" y="0"/>
-            <a:ext cx="6858000" cy="6858000"/>
           </a:xfrm>
           <a:prstGeom prst="rect">
             <a:avLst/>
@@ -11311,7 +11311,7 @@
                 <a:ea typeface="+mn-ea"/>
                 <a:cs typeface="+mn-cs"/>
               </a:rPr>
-              <a:t>Wednesday (May 28)</a:t>
+              <a:t>Friday</a:t>
             </a:r>
             <a:endParaRPr kumimoji="0" lang="en-US" sz="2000" b="0" i="0" u="none" strike="noStrike" kern="1200" cap="none" spc="0" normalizeH="0" baseline="0" noProof="0" dirty="0">
               <a:ln>
@@ -11479,7 +11479,7 @@
                 <a:ea typeface="+mn-ea"/>
                 <a:cs typeface="+mn-cs"/>
               </a:rPr>
-              <a:t>Saturday (May 31)</a:t>
+              <a:t>Monday</a:t>
             </a:r>
             <a:endParaRPr kumimoji="0" lang="en-US" sz="2000" b="0" i="0" u="none" strike="noStrike" kern="1200" cap="none" spc="0" normalizeH="0" baseline="0" noProof="0" dirty="0">
               <a:ln>
@@ -11647,7 +11647,7 @@
                 <a:ea typeface="+mn-ea"/>
                 <a:cs typeface="+mn-cs"/>
               </a:rPr>
-              <a:t>Thursday (May 29)</a:t>
+              <a:t>Saturday</a:t>
             </a:r>
             <a:endParaRPr kumimoji="0" lang="en-US" sz="2000" b="0" i="0" u="none" strike="noStrike" kern="1200" cap="none" spc="0" normalizeH="0" baseline="0" noProof="0" dirty="0">
               <a:ln>
@@ -11815,7 +11815,7 @@
                 <a:ea typeface="+mn-ea"/>
                 <a:cs typeface="+mn-cs"/>
               </a:rPr>
-              <a:t>Friday (May 30)</a:t>
+              <a:t>Sunday</a:t>
             </a:r>
             <a:endParaRPr kumimoji="0" lang="en-US" sz="2000" b="0" i="0" u="none" strike="noStrike" kern="1200" cap="none" spc="0" normalizeH="0" baseline="0" noProof="0" dirty="0">
               <a:ln>
@@ -11983,7 +11983,7 @@
                 <a:ea typeface="+mn-ea"/>
                 <a:cs typeface="+mn-cs"/>
               </a:rPr>
-              <a:t>H: 69°F  L: 48°F</a:t>
+              <a:t>H: 82°F  L: 58°F</a:t>
             </a:r>
             <a:endParaRPr kumimoji="0" lang="en-US" sz="1800" b="0" i="0" u="none" strike="noStrike" kern="1200" cap="none" spc="0" normalizeH="0" baseline="0" noProof="0" dirty="0">
               <a:ln>
@@ -12151,7 +12151,7 @@
                 <a:ea typeface="+mn-ea"/>
                 <a:cs typeface="+mn-cs"/>
               </a:rPr>
-              <a:t>H: 82°F  L: 58°F</a:t>
+              <a:t>H: 90°F  L: 67°F</a:t>
             </a:r>
             <a:endParaRPr kumimoji="0" lang="en-US" sz="1800" b="0" i="0" u="none" strike="noStrike" kern="1200" cap="none" spc="0" normalizeH="0" baseline="0" noProof="0" dirty="0">
               <a:ln>
@@ -12319,7 +12319,7 @@
                 <a:ea typeface="+mn-ea"/>
                 <a:cs typeface="+mn-cs"/>
               </a:rPr>
-              <a:t>H: 75°F  L: 53°F</a:t>
+              <a:t>H: 84°F  L: 59°F</a:t>
             </a:r>
             <a:endParaRPr kumimoji="0" lang="en-US" sz="1800" b="0" i="0" u="none" strike="noStrike" kern="1200" cap="none" spc="0" normalizeH="0" baseline="0" noProof="0" dirty="0">
               <a:ln>
@@ -12487,7 +12487,7 @@
                 <a:ea typeface="+mn-ea"/>
                 <a:cs typeface="+mn-cs"/>
               </a:rPr>
-              <a:t>H: 82°F  L: 57°F</a:t>
+              <a:t>H: 88°F  L: 63°F</a:t>
             </a:r>
             <a:endParaRPr kumimoji="0" lang="en-US" sz="1800" b="0" i="0" u="none" strike="noStrike" kern="1200" cap="none" spc="0" normalizeH="0" baseline="0" noProof="0" dirty="0">
               <a:ln>
@@ -12565,7 +12565,7 @@
                 <a:ea typeface="+mn-ea"/>
                 <a:cs typeface="+mn-cs"/>
               </a:rPr>
-              <a:t>2:50 PM</a:t>
+              <a:t>12:27 PM</a:t>
             </a:r>
             <a:endParaRPr kumimoji="0" lang="en-US" sz="4800" b="0" i="0" u="none" strike="noStrike" kern="1200" cap="none" spc="0" normalizeH="0" baseline="0" noProof="0" dirty="0">
               <a:ln>
@@ -12643,7 +12643,7 @@
                 <a:ea typeface="+mn-ea"/>
                 <a:cs typeface="+mn-cs"/>
               </a:rPr>
-              <a:t>Tuesday, May 27, 2025</a:t>
+              <a:t>Thursday, May 29, 2025</a:t>
             </a:r>
             <a:endParaRPr kumimoji="0" lang="en-US" sz="2400" b="0" i="0" u="none" strike="noStrike" kern="1200" cap="none" spc="0" normalizeH="0" baseline="0" noProof="0" dirty="0">
               <a:ln>
@@ -12664,10 +12664,46 @@
       </p:sp>
       <p:pic>
         <p:nvPicPr>
-          <p:cNvPr id="6" name="ForecastIcon2">
+          <p:cNvPr id="2" name="Picture 1" descr="A logo of a tiger&#10;&#10;Description automatically generated">
             <a:extLst>
               <a:ext uri="{FF2B5EF4-FFF2-40B4-BE49-F238E27FC236}">
-                <a16:creationId xmlns:a16="http://schemas.microsoft.com/office/drawing/2014/main" id="{39BA1E15-823B-2E89-EE08-49B480F042CA}"/>
+                <a16:creationId xmlns:a16="http://schemas.microsoft.com/office/drawing/2014/main" id="{267920D2-5391-F0A1-F4BE-7CFF0E55D19B}"/>
+              </a:ext>
+            </a:extLst>
+          </p:cNvPr>
+          <p:cNvPicPr>
+            <a:picLocks noChangeAspect="1"/>
+          </p:cNvPicPr>
+          <p:nvPr/>
+        </p:nvPicPr>
+        <p:blipFill>
+          <a:blip r:embed="rId10">
+            <a:extLst>
+              <a:ext uri="{28A0092B-C50C-407E-A947-70E740481C1C}">
+                <a14:useLocalDpi xmlns:a14="http://schemas.microsoft.com/office/drawing/2010/main" val="0"/>
+              </a:ext>
+            </a:extLst>
+          </a:blip>
+          <a:stretch>
+            <a:fillRect/>
+          </a:stretch>
+        </p:blipFill>
+        <p:spPr>
+          <a:xfrm>
+            <a:off x="10390163" y="53124"/>
+            <a:ext cx="1771452" cy="1771452"/>
+          </a:xfrm>
+          <a:prstGeom prst="rect">
+            <a:avLst/>
+          </a:prstGeom>
+        </p:spPr>
+      </p:pic>
+      <p:pic>
+        <p:nvPicPr>
+          <p:cNvPr id="7" name="ForecastIcon2">
+            <a:extLst>
+              <a:ext uri="{FF2B5EF4-FFF2-40B4-BE49-F238E27FC236}">
+                <a16:creationId xmlns:a16="http://schemas.microsoft.com/office/drawing/2014/main" id="{6465300C-A39F-B252-D7C1-DAE733A0ACF6}"/>
               </a:ext>
             </a:extLst>
           </p:cNvPr>
@@ -12677,7 +12713,7 @@
           <p:nvPr/>
         </p:nvPicPr>
         <p:blipFill>
-          <a:blip r:embed="rId10">
+          <a:blip r:embed="rId11">
             <a:extLst>
               <a:ext uri="{28A0092B-C50C-407E-A947-70E740481C1C}">
                 <a14:useLocalDpi xmlns:a14="http://schemas.microsoft.com/office/drawing/2010/main" val="0"/>
@@ -12700,10 +12736,10 @@
       </p:pic>
       <p:pic>
         <p:nvPicPr>
-          <p:cNvPr id="8" name="ForecastIcon3">
+          <p:cNvPr id="14" name="ForecastIcon3">
             <a:extLst>
               <a:ext uri="{FF2B5EF4-FFF2-40B4-BE49-F238E27FC236}">
-                <a16:creationId xmlns:a16="http://schemas.microsoft.com/office/drawing/2014/main" id="{3997D5E8-BD0C-782D-0CFE-36951C42BC9E}"/>
+                <a16:creationId xmlns:a16="http://schemas.microsoft.com/office/drawing/2014/main" id="{E4C16A7A-CD51-1B35-C16A-9FB05A01C60C}"/>
               </a:ext>
             </a:extLst>
           </p:cNvPr>
@@ -12736,10 +12772,10 @@
       </p:pic>
       <p:pic>
         <p:nvPicPr>
-          <p:cNvPr id="12" name="ForecastIcon4">
+          <p:cNvPr id="18" name="ForecastIcon4">
             <a:extLst>
               <a:ext uri="{FF2B5EF4-FFF2-40B4-BE49-F238E27FC236}">
-                <a16:creationId xmlns:a16="http://schemas.microsoft.com/office/drawing/2014/main" id="{05D6A77F-69FB-86FE-97BD-3CF32E67913C}"/>
+                <a16:creationId xmlns:a16="http://schemas.microsoft.com/office/drawing/2014/main" id="{C766D556-BDD6-8E3B-BBBB-1A30B1FBE233}"/>
               </a:ext>
             </a:extLst>
           </p:cNvPr>
@@ -12772,10 +12808,10 @@
       </p:pic>
       <p:pic>
         <p:nvPicPr>
-          <p:cNvPr id="16" name="ForecastIcon5">
+          <p:cNvPr id="20" name="ForecastIcon5">
             <a:extLst>
               <a:ext uri="{FF2B5EF4-FFF2-40B4-BE49-F238E27FC236}">
-                <a16:creationId xmlns:a16="http://schemas.microsoft.com/office/drawing/2014/main" id="{633EF49A-55BA-AA22-7268-451BE43B5EFC}"/>
+                <a16:creationId xmlns:a16="http://schemas.microsoft.com/office/drawing/2014/main" id="{0B7BB45F-E686-77AE-F354-6190FE6B261D}"/>
               </a:ext>
             </a:extLst>
           </p:cNvPr>
@@ -12785,7 +12821,7 @@
           <p:nvPr/>
         </p:nvPicPr>
         <p:blipFill>
-          <a:blip r:embed="rId10">
+          <a:blip r:embed="rId11">
             <a:extLst>
               <a:ext uri="{28A0092B-C50C-407E-A947-70E740481C1C}">
                 <a14:useLocalDpi xmlns:a14="http://schemas.microsoft.com/office/drawing/2010/main" val="0"/>
@@ -12800,42 +12836,6 @@
           <a:xfrm>
             <a:off x="9961925" y="2718858"/>
             <a:ext cx="1386237" cy="1386238"/>
-          </a:xfrm>
-          <a:prstGeom prst="rect">
-            <a:avLst/>
-          </a:prstGeom>
-        </p:spPr>
-      </p:pic>
-      <p:pic>
-        <p:nvPicPr>
-          <p:cNvPr id="2" name="Picture 1" descr="A logo of a tiger&#10;&#10;Description automatically generated">
-            <a:extLst>
-              <a:ext uri="{FF2B5EF4-FFF2-40B4-BE49-F238E27FC236}">
-                <a16:creationId xmlns:a16="http://schemas.microsoft.com/office/drawing/2014/main" id="{267920D2-5391-F0A1-F4BE-7CFF0E55D19B}"/>
-              </a:ext>
-            </a:extLst>
-          </p:cNvPr>
-          <p:cNvPicPr>
-            <a:picLocks noChangeAspect="1"/>
-          </p:cNvPicPr>
-          <p:nvPr/>
-        </p:nvPicPr>
-        <p:blipFill>
-          <a:blip r:embed="rId12">
-            <a:extLst>
-              <a:ext uri="{28A0092B-C50C-407E-A947-70E740481C1C}">
-                <a14:useLocalDpi xmlns:a14="http://schemas.microsoft.com/office/drawing/2010/main" val="0"/>
-              </a:ext>
-            </a:extLst>
-          </a:blip>
-          <a:stretch>
-            <a:fillRect/>
-          </a:stretch>
-        </p:blipFill>
-        <p:spPr>
-          <a:xfrm>
-            <a:off x="10390163" y="53124"/>
-            <a:ext cx="1771452" cy="1771452"/>
           </a:xfrm>
           <a:prstGeom prst="rect">
             <a:avLst/>
